--- a/presentation/testDrivenDevelopment.pptx
+++ b/presentation/testDrivenDevelopment.pptx
@@ -105,7 +105,7 @@
   </p:defaultTextStyle>
   <p:extLst>
     <p:ext uri="{EFAFB233-063F-42B5-8137-9DF3F51BA10A}">
-      <p15:sldGuideLst xmlns="" xmlns:p15="http://schemas.microsoft.com/office/powerpoint/2012/main"/>
+      <p15:sldGuideLst xmlns:p15="http://schemas.microsoft.com/office/powerpoint/2012/main" xmlns=""/>
     </p:ext>
   </p:extLst>
 </p:presentation>
@@ -684,6 +684,104 @@
 </p:notes>
 </file>
 
+<file path=ppt/notesSlides/notesSlide10.xml><?xml version="1.0" encoding="utf-8"?>
+<p:notes xmlns:a="http://schemas.openxmlformats.org/drawingml/2006/main" xmlns:r="http://schemas.openxmlformats.org/officeDocument/2006/relationships" xmlns:p="http://schemas.openxmlformats.org/presentationml/2006/main">
+  <p:cSld>
+    <p:spTree>
+      <p:nvGrpSpPr>
+        <p:cNvPr id="1" name=""/>
+        <p:cNvGrpSpPr/>
+        <p:nvPr/>
+      </p:nvGrpSpPr>
+      <p:grpSpPr>
+        <a:xfrm>
+          <a:off x="0" y="0"/>
+          <a:ext cx="0" cy="0"/>
+          <a:chOff x="0" y="0"/>
+          <a:chExt cx="0" cy="0"/>
+        </a:xfrm>
+      </p:grpSpPr>
+      <p:sp>
+        <p:nvSpPr>
+          <p:cNvPr id="2" name="Slide Image Placeholder 1"/>
+          <p:cNvSpPr>
+            <a:spLocks noGrp="1" noRot="1" noChangeAspect="1"/>
+          </p:cNvSpPr>
+          <p:nvPr>
+            <p:ph type="sldImg"/>
+          </p:nvPr>
+        </p:nvSpPr>
+        <p:spPr/>
+      </p:sp>
+      <p:sp>
+        <p:nvSpPr>
+          <p:cNvPr id="3" name="Notes Placeholder 2"/>
+          <p:cNvSpPr>
+            <a:spLocks noGrp="1"/>
+          </p:cNvSpPr>
+          <p:nvPr>
+            <p:ph type="body" idx="1"/>
+          </p:nvPr>
+        </p:nvSpPr>
+        <p:spPr/>
+        <p:txBody>
+          <a:bodyPr/>
+          <a:lstStyle/>
+          <a:p>
+            <a:pPr marL="171450" indent="-171450">
+              <a:buFontTx/>
+              <a:buChar char="•"/>
+            </a:pPr>
+            <a:r>
+              <a:rPr lang="en-US" baseline="0" dirty="0" smtClean="0"/>
+              <a:t>Mocks have preprogrammed expectations, stubs have canned behavior, such as recording the number of times something was called. Mocking frameworks can provide this same functionality</a:t>
+            </a:r>
+          </a:p>
+          <a:p>
+            <a:pPr marL="171450" indent="-171450">
+              <a:buFontTx/>
+              <a:buChar char="•"/>
+            </a:pPr>
+            <a:endParaRPr lang="en-US" dirty="0"/>
+          </a:p>
+        </p:txBody>
+      </p:sp>
+      <p:sp>
+        <p:nvSpPr>
+          <p:cNvPr id="4" name="Slide Number Placeholder 3"/>
+          <p:cNvSpPr>
+            <a:spLocks noGrp="1"/>
+          </p:cNvSpPr>
+          <p:nvPr>
+            <p:ph type="sldNum" sz="quarter" idx="10"/>
+          </p:nvPr>
+        </p:nvSpPr>
+        <p:spPr/>
+        <p:txBody>
+          <a:bodyPr/>
+          <a:lstStyle/>
+          <a:p>
+            <a:fld id="{F4B5A153-F673-704A-B594-21AD133E9CBF}" type="slidenum">
+              <a:rPr lang="en-US" smtClean="0"/>
+              <a:t>16</a:t>
+            </a:fld>
+            <a:endParaRPr lang="en-US"/>
+          </a:p>
+        </p:txBody>
+      </p:sp>
+    </p:spTree>
+    <p:extLst>
+      <p:ext uri="{BB962C8B-B14F-4D97-AF65-F5344CB8AC3E}">
+        <p14:creationId xmlns:p14="http://schemas.microsoft.com/office/powerpoint/2010/main" val="1472035645"/>
+      </p:ext>
+    </p:extLst>
+  </p:cSld>
+  <p:clrMapOvr>
+    <a:masterClrMapping/>
+  </p:clrMapOvr>
+</p:notes>
+</file>
+
 <file path=ppt/notesSlides/notesSlide2.xml><?xml version="1.0" encoding="utf-8"?>
 <p:notes xmlns:a="http://schemas.openxmlformats.org/drawingml/2006/main" xmlns:r="http://schemas.openxmlformats.org/officeDocument/2006/relationships" xmlns:p="http://schemas.openxmlformats.org/presentationml/2006/main">
   <p:cSld>
@@ -1159,7 +1257,6 @@
               <a:rPr lang="en-US" baseline="0" dirty="0" smtClean="0"/>
               <a:t> business rules are easier and safer to maintain and modify</a:t>
             </a:r>
-            <a:endParaRPr lang="en-US" baseline="0" dirty="0" smtClean="0"/>
           </a:p>
           <a:p>
             <a:pPr marL="171450" indent="-171450">
@@ -1598,20 +1695,14 @@
           <a:bodyPr/>
           <a:lstStyle/>
           <a:p>
-            <a:pPr marL="171450" indent="-171450">
-              <a:buFontTx/>
-              <a:buChar char="•"/>
-            </a:pPr>
+            <a:r>
+              <a:rPr lang="en-US" dirty="0" smtClean="0"/>
+              <a:t>*</a:t>
+            </a:r>
             <a:r>
               <a:rPr lang="en-US" baseline="0" dirty="0" smtClean="0"/>
-              <a:t>Mocks have preprogrammed expectations, stubs have canned behavior, such as recording the number of times something was called. Mocking frameworks can provide this same functionality</a:t>
-            </a:r>
-          </a:p>
-          <a:p>
-            <a:pPr marL="171450" indent="-171450">
-              <a:buFontTx/>
-              <a:buChar char="•"/>
-            </a:pPr>
+              <a:t> Basically clean code practices result in these advantages as well.</a:t>
+            </a:r>
             <a:endParaRPr lang="en-US" dirty="0"/>
           </a:p>
         </p:txBody>
@@ -1633,7 +1724,7 @@
           <a:p>
             <a:fld id="{F4B5A153-F673-704A-B594-21AD133E9CBF}" type="slidenum">
               <a:rPr lang="en-US" smtClean="0"/>
-              <a:t>16</a:t>
+              <a:t>15</a:t>
             </a:fld>
             <a:endParaRPr lang="en-US"/>
           </a:p>
@@ -1642,7 +1733,7 @@
     </p:spTree>
     <p:extLst>
       <p:ext uri="{BB962C8B-B14F-4D97-AF65-F5344CB8AC3E}">
-        <p14:creationId xmlns:p14="http://schemas.microsoft.com/office/powerpoint/2010/main" val="1472035645"/>
+        <p14:creationId xmlns:p14="http://schemas.microsoft.com/office/powerpoint/2010/main" val="535806881"/>
       </p:ext>
     </p:extLst>
   </p:cSld>
@@ -40010,9 +40101,15 @@
                 <a:solidFill>
                   <a:srgbClr val="F7AF56"/>
                 </a:solidFill>
+                <a:hlinkClick r:id="rId2"/>
               </a:rPr>
               <a:t>wgibbins@pillartechnology.com</a:t>
             </a:r>
+            <a:endParaRPr lang="en-US" sz="2800" dirty="0" smtClean="0">
+              <a:solidFill>
+                <a:srgbClr val="F7AF56"/>
+              </a:solidFill>
+            </a:endParaRPr>
           </a:p>
           <a:p>
             <a:r>
@@ -40020,10 +40117,11 @@
               <a:t>Clay Dowling – </a:t>
             </a:r>
             <a:r>
-              <a:rPr lang="en-US" sz="2800" dirty="0" err="1" smtClean="0">
+              <a:rPr lang="en-US" sz="2800" dirty="0" smtClean="0">
                 <a:solidFill>
                   <a:srgbClr val="F7AF56"/>
                 </a:solidFill>
+                <a:hlinkClick r:id="rId3"/>
               </a:rPr>
               <a:t>cdowling@pillartechnology.com</a:t>
             </a:r>
@@ -40701,14 +40799,6 @@
             <a:r>
               <a:rPr lang="en-US" dirty="0" err="1" smtClean="0"/>
               <a:t>Mockito</a:t>
-            </a:r>
-            <a:r>
-              <a:rPr lang="en-US" dirty="0" smtClean="0"/>
-              <a:t>/</a:t>
-            </a:r>
-            <a:r>
-              <a:rPr lang="en-US" dirty="0" err="1" smtClean="0"/>
-              <a:t>Powermock</a:t>
             </a:r>
             <a:r>
               <a:rPr lang="en-US" dirty="0" smtClean="0"/>
